--- a/lectures/week8/lecture2/slides/week8_lecture2.pptx
+++ b/lectures/week8/lecture2/slides/week8_lecture2.pptx
@@ -1932,7 +1932,12 @@
             <p:ph type="ctrTitle"/>
           </p:nvPr>
         </p:nvSpPr>
-        <p:spPr/>
+        <p:spPr>
+          <a:xfrm>
+            <a:off x="335947" y="2164446"/>
+            <a:ext cx="11391065" cy="893580"/>
+          </a:xfrm>
+        </p:spPr>
         <p:txBody>
           <a:bodyPr>
             <a:normAutofit/>
@@ -1970,7 +1975,12 @@
             <p:ph type="subTitle" idx="1"/>
           </p:nvPr>
         </p:nvSpPr>
-        <p:spPr/>
+        <p:spPr>
+          <a:xfrm>
+            <a:off x="335947" y="3432516"/>
+            <a:ext cx="11391065" cy="1655762"/>
+          </a:xfrm>
+        </p:spPr>
         <p:txBody>
           <a:bodyPr/>
           <a:lstStyle/>
@@ -2047,6 +2057,280 @@
               </a:rPr>
               <a:t>)</a:t>
             </a:r>
+          </a:p>
+        </p:txBody>
+      </p:sp>
+      <p:pic>
+        <p:nvPicPr>
+          <p:cNvPr id="7" name="Picture 6" descr="A diagram of a code&#10;&#10;AI-generated content may be incorrect.">
+            <a:extLst>
+              <a:ext uri="{FF2B5EF4-FFF2-40B4-BE49-F238E27FC236}">
+                <a16:creationId xmlns:a16="http://schemas.microsoft.com/office/drawing/2014/main" id="{C6A39CB2-83FF-059A-48E9-7D7C8EE70455}"/>
+              </a:ext>
+            </a:extLst>
+          </p:cNvPr>
+          <p:cNvPicPr>
+            <a:picLocks noChangeAspect="1"/>
+          </p:cNvPicPr>
+          <p:nvPr/>
+        </p:nvPicPr>
+        <p:blipFill>
+          <a:blip r:embed="rId2">
+            <a:extLst>
+              <a:ext uri="{28A0092B-C50C-407E-A947-70E740481C1C}">
+                <a14:useLocalDpi xmlns:a14="http://schemas.microsoft.com/office/drawing/2010/main" val="0"/>
+              </a:ext>
+            </a:extLst>
+          </a:blip>
+          <a:srcRect l="13583" r="12000"/>
+          <a:stretch/>
+        </p:blipFill>
+        <p:spPr>
+          <a:xfrm>
+            <a:off x="8479098" y="1161142"/>
+            <a:ext cx="3247914" cy="4885447"/>
+          </a:xfrm>
+          <a:prstGeom prst="rect">
+            <a:avLst/>
+          </a:prstGeom>
+        </p:spPr>
+      </p:pic>
+      <p:sp>
+        <p:nvSpPr>
+          <p:cNvPr id="8" name="TextBox 7">
+            <a:extLst>
+              <a:ext uri="{FF2B5EF4-FFF2-40B4-BE49-F238E27FC236}">
+                <a16:creationId xmlns:a16="http://schemas.microsoft.com/office/drawing/2014/main" id="{FC3B3550-3F87-F8B3-134A-FAC4BD4ECEA1}"/>
+              </a:ext>
+            </a:extLst>
+          </p:cNvPr>
+          <p:cNvSpPr txBox="1"/>
+          <p:nvPr/>
+        </p:nvSpPr>
+        <p:spPr>
+          <a:xfrm>
+            <a:off x="335947" y="4359994"/>
+            <a:ext cx="7580601" cy="2431435"/>
+          </a:xfrm>
+          <a:prstGeom prst="rect">
+            <a:avLst/>
+          </a:prstGeom>
+          <a:noFill/>
+        </p:spPr>
+        <p:txBody>
+          <a:bodyPr wrap="none" rtlCol="0">
+            <a:spAutoFit/>
+          </a:bodyPr>
+          <a:lstStyle/>
+          <a:p>
+            <a:r>
+              <a:rPr lang="en-US" sz="2000" b="1" dirty="0">
+                <a:solidFill>
+                  <a:srgbClr val="CC99FF"/>
+                </a:solidFill>
+              </a:rPr>
+              <a:t>While waiting, open the </a:t>
+            </a:r>
+            <a:r>
+              <a:rPr lang="en-US" sz="2000" b="1" dirty="0" err="1">
+                <a:solidFill>
+                  <a:srgbClr val="CC99FF"/>
+                </a:solidFill>
+              </a:rPr>
+              <a:t>Jupyter</a:t>
+            </a:r>
+            <a:r>
+              <a:rPr lang="en-US" sz="2000" b="1" dirty="0">
+                <a:solidFill>
+                  <a:srgbClr val="CC99FF"/>
+                </a:solidFill>
+              </a:rPr>
+              <a:t> Notebook for today’s lecture</a:t>
+            </a:r>
+          </a:p>
+          <a:p>
+            <a:endParaRPr lang="en-US" sz="2000" b="1" dirty="0">
+              <a:solidFill>
+                <a:srgbClr val="CC99FF"/>
+              </a:solidFill>
+            </a:endParaRPr>
+          </a:p>
+          <a:p>
+            <a:r>
+              <a:rPr lang="en-US" sz="1600" b="1" dirty="0">
+                <a:solidFill>
+                  <a:srgbClr val="CC99FF"/>
+                </a:solidFill>
+              </a:rPr>
+              <a:t>Upcoming</a:t>
+            </a:r>
+            <a:r>
+              <a:rPr lang="en-US" sz="1600" dirty="0">
+                <a:solidFill>
+                  <a:srgbClr val="CC99FF"/>
+                </a:solidFill>
+              </a:rPr>
+              <a:t>.</a:t>
+            </a:r>
+            <a:endParaRPr lang="en-US" sz="1600" dirty="0">
+              <a:solidFill>
+                <a:srgbClr val="66FF99"/>
+              </a:solidFill>
+            </a:endParaRPr>
+          </a:p>
+          <a:p>
+            <a:pPr marL="285750" indent="-285750">
+              <a:buClr>
+                <a:srgbClr val="CC99FF"/>
+              </a:buClr>
+              <a:buFont typeface="Wingdings" panose="05000000000000000000" pitchFamily="2" charset="2"/>
+              <a:buChar char="§"/>
+            </a:pPr>
+            <a:r>
+              <a:rPr lang="en-US" sz="1600" dirty="0">
+                <a:solidFill>
+                  <a:srgbClr val="66FF99"/>
+                </a:solidFill>
+              </a:rPr>
+              <a:t>Lab 5 Due Friday 11:59 pm</a:t>
+            </a:r>
+            <a:r>
+              <a:rPr lang="en-US" sz="1600" dirty="0">
+                <a:solidFill>
+                  <a:srgbClr val="CC99FF"/>
+                </a:solidFill>
+              </a:rPr>
+              <a:t>.</a:t>
+            </a:r>
+            <a:endParaRPr lang="en-US" sz="1600" dirty="0">
+              <a:solidFill>
+                <a:srgbClr val="66FF99"/>
+              </a:solidFill>
+            </a:endParaRPr>
+          </a:p>
+          <a:p>
+            <a:pPr marL="285750" indent="-285750">
+              <a:buClr>
+                <a:srgbClr val="CC99FF"/>
+              </a:buClr>
+              <a:buFont typeface="Wingdings" panose="05000000000000000000" pitchFamily="2" charset="2"/>
+              <a:buChar char="§"/>
+            </a:pPr>
+            <a:r>
+              <a:rPr lang="en-US" sz="1600" dirty="0">
+                <a:solidFill>
+                  <a:srgbClr val="66FF99"/>
+                </a:solidFill>
+              </a:rPr>
+              <a:t>Lab 6 Released Thursday 6:00 pm</a:t>
+            </a:r>
+            <a:r>
+              <a:rPr lang="en-US" sz="1600" dirty="0">
+                <a:solidFill>
+                  <a:srgbClr val="CC99FF"/>
+                </a:solidFill>
+              </a:rPr>
+              <a:t>.</a:t>
+            </a:r>
+            <a:endParaRPr lang="en-US" sz="1600" dirty="0">
+              <a:solidFill>
+                <a:srgbClr val="66FF99"/>
+              </a:solidFill>
+            </a:endParaRPr>
+          </a:p>
+          <a:p>
+            <a:pPr marL="285750" indent="-285750">
+              <a:buClr>
+                <a:srgbClr val="CC99FF"/>
+              </a:buClr>
+              <a:buFont typeface="Wingdings" panose="05000000000000000000" pitchFamily="2" charset="2"/>
+              <a:buChar char="§"/>
+            </a:pPr>
+            <a:r>
+              <a:rPr lang="en-US" sz="1600" dirty="0">
+                <a:solidFill>
+                  <a:srgbClr val="66FF99"/>
+                </a:solidFill>
+              </a:rPr>
+              <a:t>Reflection 8 Released Friday 6:00 pm</a:t>
+            </a:r>
+            <a:r>
+              <a:rPr lang="en-US" sz="1600" dirty="0">
+                <a:solidFill>
+                  <a:srgbClr val="CC99FF"/>
+                </a:solidFill>
+              </a:rPr>
+              <a:t>.</a:t>
+            </a:r>
+            <a:endParaRPr lang="en-US" sz="1600" dirty="0">
+              <a:solidFill>
+                <a:srgbClr val="66FF99"/>
+              </a:solidFill>
+            </a:endParaRPr>
+          </a:p>
+          <a:p>
+            <a:pPr marL="285750" indent="-285750">
+              <a:buClr>
+                <a:srgbClr val="CC99FF"/>
+              </a:buClr>
+              <a:buFont typeface="Wingdings" panose="05000000000000000000" pitchFamily="2" charset="2"/>
+              <a:buChar char="§"/>
+            </a:pPr>
+            <a:r>
+              <a:rPr lang="en-US" sz="1600" dirty="0">
+                <a:solidFill>
+                  <a:srgbClr val="66FF99"/>
+                </a:solidFill>
+              </a:rPr>
+              <a:t>Tutorial (in-person AND online) running all week</a:t>
+            </a:r>
+            <a:r>
+              <a:rPr lang="en-US" sz="1600" dirty="0">
+                <a:solidFill>
+                  <a:srgbClr val="CC99FF"/>
+                </a:solidFill>
+              </a:rPr>
+              <a:t>.</a:t>
+            </a:r>
+          </a:p>
+          <a:p>
+            <a:pPr marL="285750" indent="-285750">
+              <a:buClr>
+                <a:srgbClr val="CC99FF"/>
+              </a:buClr>
+              <a:buFont typeface="Wingdings" panose="05000000000000000000" pitchFamily="2" charset="2"/>
+              <a:buChar char="§"/>
+            </a:pPr>
+            <a:r>
+              <a:rPr lang="en-US" sz="1600" dirty="0">
+                <a:solidFill>
+                  <a:srgbClr val="66FF99"/>
+                </a:solidFill>
+              </a:rPr>
+              <a:t>Practical sessions (in-person AND online) running ONLY Friday this week</a:t>
+            </a:r>
+            <a:r>
+              <a:rPr lang="en-US" sz="1600" dirty="0">
+                <a:solidFill>
+                  <a:srgbClr val="CC99FF"/>
+                </a:solidFill>
+              </a:rPr>
+              <a:t>.</a:t>
+            </a:r>
+          </a:p>
+          <a:p>
+            <a:pPr marL="285750" indent="-285750">
+              <a:buClr>
+                <a:srgbClr val="CC99FF"/>
+              </a:buClr>
+              <a:buFont typeface="Wingdings" panose="05000000000000000000" pitchFamily="2" charset="2"/>
+              <a:buChar char="§"/>
+            </a:pPr>
+            <a:endParaRPr lang="en-US" sz="1600" dirty="0">
+              <a:solidFill>
+                <a:srgbClr val="CC99FF"/>
+              </a:solidFill>
+            </a:endParaRPr>
           </a:p>
         </p:txBody>
       </p:sp>
@@ -5401,6 +5685,42 @@
           </a:p>
         </p:txBody>
       </p:sp>
+      <p:pic>
+        <p:nvPicPr>
+          <p:cNvPr id="4" name="Picture 3" descr="A cartoon of a skeleton holding a scythe&#10;&#10;AI-generated content may be incorrect.">
+            <a:extLst>
+              <a:ext uri="{FF2B5EF4-FFF2-40B4-BE49-F238E27FC236}">
+                <a16:creationId xmlns:a16="http://schemas.microsoft.com/office/drawing/2014/main" id="{E2987C21-1E77-4CB7-2D23-E6E2DB0F1AF8}"/>
+              </a:ext>
+            </a:extLst>
+          </p:cNvPr>
+          <p:cNvPicPr>
+            <a:picLocks noChangeAspect="1"/>
+          </p:cNvPicPr>
+          <p:nvPr/>
+        </p:nvPicPr>
+        <p:blipFill>
+          <a:blip r:embed="rId2">
+            <a:extLst>
+              <a:ext uri="{28A0092B-C50C-407E-A947-70E740481C1C}">
+                <a14:useLocalDpi xmlns:a14="http://schemas.microsoft.com/office/drawing/2010/main" val="0"/>
+              </a:ext>
+            </a:extLst>
+          </a:blip>
+          <a:stretch>
+            <a:fillRect/>
+          </a:stretch>
+        </p:blipFill>
+        <p:spPr>
+          <a:xfrm>
+            <a:off x="6939948" y="1825624"/>
+            <a:ext cx="4744052" cy="2668529"/>
+          </a:xfrm>
+          <a:prstGeom prst="rect">
+            <a:avLst/>
+          </a:prstGeom>
+        </p:spPr>
+      </p:pic>
     </p:spTree>
     <p:extLst>
       <p:ext uri="{BB962C8B-B14F-4D97-AF65-F5344CB8AC3E}">
